--- a/训练中心创客交叉融合空间建设/中心项目申请/中期汇报.pptx
+++ b/训练中心创客交叉融合空间建设/中心项目申请/中期汇报.pptx
@@ -8,8 +8,8 @@
     <p:sldId id="256" r:id="rId2"/>
     <p:sldId id="257" r:id="rId3"/>
     <p:sldId id="258" r:id="rId4"/>
-    <p:sldId id="261" r:id="rId5"/>
-    <p:sldId id="259" r:id="rId6"/>
+    <p:sldId id="259" r:id="rId5"/>
+    <p:sldId id="261" r:id="rId6"/>
     <p:sldId id="260" r:id="rId7"/>
   </p:sldIdLst>
   <p:sldSz cx="12192000" cy="6858000"/>
@@ -109,6 +109,11 @@
       </a:defRPr>
     </a:lvl9pPr>
   </p:defaultTextStyle>
+  <p:extLst>
+    <p:ext uri="{EFAFB233-063F-42B5-8137-9DF3F51BA10A}">
+      <p15:sldGuideLst xmlns:p15="http://schemas.microsoft.com/office/powerpoint/2012/main"/>
+    </p:ext>
+  </p:extLst>
 </p:presentation>
 </file>
 
@@ -243,7 +248,7 @@
           <a:p>
             <a:fld id="{4B4E4EF2-E666-49AC-AFC7-C5BC72DBB5E8}" type="datetimeFigureOut">
               <a:rPr lang="zh-CN" altLang="en-US" smtClean="0"/>
-              <a:t>2014/5/29</a:t>
+              <a:t>2014/6/8</a:t>
             </a:fld>
             <a:endParaRPr lang="zh-CN" altLang="en-US"/>
           </a:p>
@@ -413,7 +418,7 @@
           <a:p>
             <a:fld id="{4B4E4EF2-E666-49AC-AFC7-C5BC72DBB5E8}" type="datetimeFigureOut">
               <a:rPr lang="zh-CN" altLang="en-US" smtClean="0"/>
-              <a:t>2014/5/29</a:t>
+              <a:t>2014/6/8</a:t>
             </a:fld>
             <a:endParaRPr lang="zh-CN" altLang="en-US"/>
           </a:p>
@@ -593,7 +598,7 @@
           <a:p>
             <a:fld id="{4B4E4EF2-E666-49AC-AFC7-C5BC72DBB5E8}" type="datetimeFigureOut">
               <a:rPr lang="zh-CN" altLang="en-US" smtClean="0"/>
-              <a:t>2014/5/29</a:t>
+              <a:t>2014/6/8</a:t>
             </a:fld>
             <a:endParaRPr lang="zh-CN" altLang="en-US"/>
           </a:p>
@@ -763,7 +768,7 @@
           <a:p>
             <a:fld id="{4B4E4EF2-E666-49AC-AFC7-C5BC72DBB5E8}" type="datetimeFigureOut">
               <a:rPr lang="zh-CN" altLang="en-US" smtClean="0"/>
-              <a:t>2014/5/29</a:t>
+              <a:t>2014/6/8</a:t>
             </a:fld>
             <a:endParaRPr lang="zh-CN" altLang="en-US"/>
           </a:p>
@@ -1009,7 +1014,7 @@
           <a:p>
             <a:fld id="{4B4E4EF2-E666-49AC-AFC7-C5BC72DBB5E8}" type="datetimeFigureOut">
               <a:rPr lang="zh-CN" altLang="en-US" smtClean="0"/>
-              <a:t>2014/5/29</a:t>
+              <a:t>2014/6/8</a:t>
             </a:fld>
             <a:endParaRPr lang="zh-CN" altLang="en-US"/>
           </a:p>
@@ -1241,7 +1246,7 @@
           <a:p>
             <a:fld id="{4B4E4EF2-E666-49AC-AFC7-C5BC72DBB5E8}" type="datetimeFigureOut">
               <a:rPr lang="zh-CN" altLang="en-US" smtClean="0"/>
-              <a:t>2014/5/29</a:t>
+              <a:t>2014/6/8</a:t>
             </a:fld>
             <a:endParaRPr lang="zh-CN" altLang="en-US"/>
           </a:p>
@@ -1608,7 +1613,7 @@
           <a:p>
             <a:fld id="{4B4E4EF2-E666-49AC-AFC7-C5BC72DBB5E8}" type="datetimeFigureOut">
               <a:rPr lang="zh-CN" altLang="en-US" smtClean="0"/>
-              <a:t>2014/5/29</a:t>
+              <a:t>2014/6/8</a:t>
             </a:fld>
             <a:endParaRPr lang="zh-CN" altLang="en-US"/>
           </a:p>
@@ -1726,7 +1731,7 @@
           <a:p>
             <a:fld id="{4B4E4EF2-E666-49AC-AFC7-C5BC72DBB5E8}" type="datetimeFigureOut">
               <a:rPr lang="zh-CN" altLang="en-US" smtClean="0"/>
-              <a:t>2014/5/29</a:t>
+              <a:t>2014/6/8</a:t>
             </a:fld>
             <a:endParaRPr lang="zh-CN" altLang="en-US"/>
           </a:p>
@@ -1821,7 +1826,7 @@
           <a:p>
             <a:fld id="{4B4E4EF2-E666-49AC-AFC7-C5BC72DBB5E8}" type="datetimeFigureOut">
               <a:rPr lang="zh-CN" altLang="en-US" smtClean="0"/>
-              <a:t>2014/5/29</a:t>
+              <a:t>2014/6/8</a:t>
             </a:fld>
             <a:endParaRPr lang="zh-CN" altLang="en-US"/>
           </a:p>
@@ -2098,7 +2103,7 @@
           <a:p>
             <a:fld id="{4B4E4EF2-E666-49AC-AFC7-C5BC72DBB5E8}" type="datetimeFigureOut">
               <a:rPr lang="zh-CN" altLang="en-US" smtClean="0"/>
-              <a:t>2014/5/29</a:t>
+              <a:t>2014/6/8</a:t>
             </a:fld>
             <a:endParaRPr lang="zh-CN" altLang="en-US"/>
           </a:p>
@@ -2351,7 +2356,7 @@
           <a:p>
             <a:fld id="{4B4E4EF2-E666-49AC-AFC7-C5BC72DBB5E8}" type="datetimeFigureOut">
               <a:rPr lang="zh-CN" altLang="en-US" smtClean="0"/>
-              <a:t>2014/5/29</a:t>
+              <a:t>2014/6/8</a:t>
             </a:fld>
             <a:endParaRPr lang="zh-CN" altLang="en-US"/>
           </a:p>
@@ -2564,7 +2569,7 @@
           <a:p>
             <a:fld id="{4B4E4EF2-E666-49AC-AFC7-C5BC72DBB5E8}" type="datetimeFigureOut">
               <a:rPr lang="zh-CN" altLang="en-US" smtClean="0"/>
-              <a:t>2014/5/29</a:t>
+              <a:t>2014/6/8</a:t>
             </a:fld>
             <a:endParaRPr lang="zh-CN" altLang="en-US"/>
           </a:p>
@@ -3054,7 +3059,7 @@
           <a:p>
             <a:r>
               <a:rPr lang="zh-CN" altLang="en-US" dirty="0" smtClean="0"/>
-              <a:t>课程体系设计</a:t>
+              <a:t>课程及活动设计</a:t>
             </a:r>
             <a:endParaRPr lang="zh-CN" altLang="en-US" dirty="0"/>
           </a:p>
@@ -3075,7 +3080,7 @@
           <a:bodyPr/>
           <a:lstStyle/>
           <a:p>
-            <a:endParaRPr lang="zh-CN" altLang="en-US"/>
+            <a:endParaRPr lang="zh-CN" altLang="en-US" dirty="0"/>
           </a:p>
         </p:txBody>
       </p:sp>
@@ -3147,7 +3152,74 @@
           <a:bodyPr/>
           <a:lstStyle/>
           <a:p>
-            <a:endParaRPr lang="zh-CN" altLang="en-US"/>
+            <a:r>
+              <a:rPr lang="zh-CN" altLang="en-US" dirty="0"/>
+              <a:t>钥匙</a:t>
+            </a:r>
+            <a:r>
+              <a:rPr lang="zh-CN" altLang="en-US" dirty="0" smtClean="0"/>
+              <a:t>管理</a:t>
+            </a:r>
+            <a:endParaRPr lang="en-US" altLang="zh-CN" dirty="0" smtClean="0"/>
+          </a:p>
+          <a:p>
+            <a:pPr lvl="1"/>
+            <a:r>
+              <a:rPr lang="zh-CN" altLang="en-US" dirty="0" smtClean="0"/>
+              <a:t>中心配置</a:t>
+            </a:r>
+            <a:r>
+              <a:rPr lang="en-US" altLang="zh-CN" dirty="0" smtClean="0"/>
+              <a:t>2</a:t>
+            </a:r>
+            <a:r>
+              <a:rPr lang="zh-CN" altLang="en-US" dirty="0" smtClean="0"/>
+              <a:t>套</a:t>
+            </a:r>
+            <a:endParaRPr lang="en-US" altLang="zh-CN" dirty="0" smtClean="0"/>
+          </a:p>
+          <a:p>
+            <a:pPr lvl="1"/>
+            <a:r>
+              <a:rPr lang="zh-CN" altLang="en-US" dirty="0"/>
+              <a:t>美术</a:t>
+            </a:r>
+            <a:r>
+              <a:rPr lang="zh-CN" altLang="en-US" dirty="0" smtClean="0"/>
+              <a:t>学院下辖创客空间社团配置</a:t>
+            </a:r>
+            <a:r>
+              <a:rPr lang="en-US" altLang="zh-CN" dirty="0" smtClean="0"/>
+              <a:t>1</a:t>
+            </a:r>
+            <a:r>
+              <a:rPr lang="zh-CN" altLang="en-US" dirty="0"/>
+              <a:t>套</a:t>
+            </a:r>
+            <a:endParaRPr lang="en-US" altLang="zh-CN" dirty="0" smtClean="0"/>
+          </a:p>
+          <a:p>
+            <a:r>
+              <a:rPr lang="zh-CN" altLang="en-US" dirty="0" smtClean="0"/>
+              <a:t>使用机制</a:t>
+            </a:r>
+            <a:endParaRPr lang="en-US" altLang="zh-CN" dirty="0" smtClean="0"/>
+          </a:p>
+          <a:p>
+            <a:pPr lvl="1"/>
+            <a:r>
+              <a:rPr lang="zh-CN" altLang="en-US" dirty="0" smtClean="0"/>
+              <a:t>预约使用</a:t>
+            </a:r>
+            <a:endParaRPr lang="en-US" altLang="zh-CN" dirty="0" smtClean="0"/>
+          </a:p>
+          <a:p>
+            <a:pPr lvl="1"/>
+            <a:r>
+              <a:rPr lang="zh-CN" altLang="en-US" smtClean="0"/>
+              <a:t>统一预约平台：</a:t>
+            </a:r>
+            <a:endParaRPr lang="zh-CN" altLang="en-US" dirty="0"/>
           </a:p>
         </p:txBody>
       </p:sp>
@@ -3198,7 +3270,11 @@
           <a:p>
             <a:r>
               <a:rPr lang="zh-CN" altLang="en-US" dirty="0" smtClean="0"/>
-              <a:t>课程模块筹备</a:t>
+              <a:t>需求</a:t>
+            </a:r>
+            <a:r>
+              <a:rPr lang="zh-CN" altLang="en-US" dirty="0" smtClean="0"/>
+              <a:t>调研</a:t>
             </a:r>
             <a:endParaRPr lang="zh-CN" altLang="en-US" dirty="0"/>
           </a:p>
@@ -3221,7 +3297,25 @@
           <a:p>
             <a:r>
               <a:rPr lang="zh-CN" altLang="en-US" dirty="0" smtClean="0"/>
-              <a:t>中心内部测试</a:t>
+              <a:t>校</a:t>
+            </a:r>
+            <a:r>
+              <a:rPr lang="zh-CN" altLang="en-US" dirty="0" smtClean="0"/>
+              <a:t>团委</a:t>
+            </a:r>
+            <a:endParaRPr lang="en-US" altLang="zh-CN" dirty="0" smtClean="0"/>
+          </a:p>
+          <a:p>
+            <a:r>
+              <a:rPr lang="zh-CN" altLang="en-US" dirty="0" smtClean="0"/>
+              <a:t>学生社团</a:t>
+            </a:r>
+            <a:endParaRPr lang="en-US" altLang="zh-CN" dirty="0" smtClean="0"/>
+          </a:p>
+          <a:p>
+            <a:r>
+              <a:rPr lang="zh-CN" altLang="en-US" dirty="0" smtClean="0"/>
+              <a:t>教学中的创新团队</a:t>
             </a:r>
             <a:endParaRPr lang="zh-CN" altLang="en-US" dirty="0"/>
           </a:p>
@@ -3230,7 +3324,7 @@
     </p:spTree>
     <p:extLst>
       <p:ext uri="{BB962C8B-B14F-4D97-AF65-F5344CB8AC3E}">
-        <p14:creationId xmlns:p14="http://schemas.microsoft.com/office/powerpoint/2010/main" val="2296378247"/>
+        <p14:creationId xmlns:p14="http://schemas.microsoft.com/office/powerpoint/2010/main" val="2855897834"/>
       </p:ext>
     </p:extLst>
   </p:cSld>
@@ -3274,7 +3368,7 @@
           <a:p>
             <a:r>
               <a:rPr lang="zh-CN" altLang="en-US" dirty="0" smtClean="0"/>
-              <a:t>学生需求调研</a:t>
+              <a:t>课程模块筹备</a:t>
             </a:r>
             <a:endParaRPr lang="zh-CN" altLang="en-US" dirty="0"/>
           </a:p>
@@ -3297,7 +3391,134 @@
           <a:p>
             <a:r>
               <a:rPr lang="zh-CN" altLang="en-US" dirty="0" smtClean="0"/>
-              <a:t>校团委</a:t>
+              <a:t>个人特质评测</a:t>
+            </a:r>
+            <a:endParaRPr lang="en-US" altLang="zh-CN" dirty="0" smtClean="0"/>
+          </a:p>
+          <a:p>
+            <a:pPr lvl="1"/>
+            <a:r>
+              <a:rPr lang="zh-CN" altLang="en-US" dirty="0" smtClean="0"/>
+              <a:t>测试范围：中心一线技术人员，共</a:t>
+            </a:r>
+            <a:r>
+              <a:rPr lang="en-US" altLang="zh-CN" dirty="0" smtClean="0"/>
+              <a:t>6</a:t>
+            </a:r>
+            <a:r>
+              <a:rPr lang="zh-CN" altLang="en-US" dirty="0" smtClean="0"/>
+              <a:t>人</a:t>
+            </a:r>
+            <a:endParaRPr lang="en-US" altLang="zh-CN" dirty="0" smtClean="0"/>
+          </a:p>
+          <a:p>
+            <a:pPr lvl="1"/>
+            <a:r>
+              <a:rPr lang="zh-CN" altLang="en-US" dirty="0" smtClean="0"/>
+              <a:t>测试问题记录</a:t>
+            </a:r>
+            <a:endParaRPr lang="en-US" altLang="zh-CN" dirty="0" smtClean="0"/>
+          </a:p>
+          <a:p>
+            <a:pPr lvl="2"/>
+            <a:r>
+              <a:rPr lang="zh-CN" altLang="en-US" dirty="0" smtClean="0"/>
+              <a:t>问卷简体中文版需要尽快上线</a:t>
+            </a:r>
+            <a:endParaRPr lang="en-US" altLang="zh-CN" dirty="0" smtClean="0"/>
+          </a:p>
+          <a:p>
+            <a:pPr lvl="2"/>
+            <a:r>
+              <a:rPr lang="zh-CN" altLang="en-US" dirty="0"/>
+              <a:t>问卷</a:t>
+            </a:r>
+            <a:r>
+              <a:rPr lang="zh-CN" altLang="en-US" dirty="0" smtClean="0"/>
+              <a:t>中包含的职业需要尽快翻译</a:t>
+            </a:r>
+            <a:endParaRPr lang="en-US" altLang="zh-CN" dirty="0" smtClean="0"/>
+          </a:p>
+          <a:p>
+            <a:r>
+              <a:rPr lang="en-US" altLang="zh-CN" dirty="0" smtClean="0"/>
+              <a:t>635</a:t>
+            </a:r>
+            <a:r>
+              <a:rPr lang="zh-CN" altLang="en-US" dirty="0" smtClean="0"/>
+              <a:t>过程</a:t>
+            </a:r>
+            <a:endParaRPr lang="en-US" altLang="zh-CN" dirty="0" smtClean="0"/>
+          </a:p>
+          <a:p>
+            <a:pPr lvl="1"/>
+            <a:r>
+              <a:rPr lang="zh-CN" altLang="en-US" dirty="0" smtClean="0"/>
+              <a:t>测试范围：中心一线技术人员，共</a:t>
+            </a:r>
+            <a:r>
+              <a:rPr lang="en-US" altLang="zh-CN" dirty="0" smtClean="0"/>
+              <a:t>6</a:t>
+            </a:r>
+            <a:r>
+              <a:rPr lang="zh-CN" altLang="en-US" dirty="0" smtClean="0"/>
+              <a:t>人</a:t>
+            </a:r>
+            <a:endParaRPr lang="en-US" altLang="zh-CN" dirty="0" smtClean="0"/>
+          </a:p>
+          <a:p>
+            <a:pPr lvl="1"/>
+            <a:r>
+              <a:rPr lang="zh-CN" altLang="en-US" dirty="0" smtClean="0"/>
+              <a:t>测试问题记录</a:t>
+            </a:r>
+            <a:endParaRPr lang="en-US" altLang="zh-CN" dirty="0" smtClean="0"/>
+          </a:p>
+          <a:p>
+            <a:pPr lvl="2"/>
+            <a:r>
+              <a:rPr lang="zh-CN" altLang="en-US" dirty="0" smtClean="0"/>
+              <a:t>缺少介绍</a:t>
+            </a:r>
+            <a:r>
+              <a:rPr lang="en-US" altLang="zh-CN" dirty="0" smtClean="0"/>
+              <a:t>635</a:t>
+            </a:r>
+            <a:r>
+              <a:rPr lang="zh-CN" altLang="en-US" dirty="0" smtClean="0"/>
+              <a:t>设计过程的材料</a:t>
+            </a:r>
+            <a:endParaRPr lang="en-US" altLang="zh-CN" dirty="0" smtClean="0"/>
+          </a:p>
+          <a:p>
+            <a:pPr lvl="2"/>
+            <a:r>
+              <a:rPr lang="zh-CN" altLang="en-US" dirty="0" smtClean="0"/>
+              <a:t>需要印制</a:t>
+            </a:r>
+            <a:r>
+              <a:rPr lang="en-US" altLang="zh-CN" dirty="0" smtClean="0"/>
+              <a:t>A1</a:t>
+            </a:r>
+            <a:r>
+              <a:rPr lang="zh-CN" altLang="en-US" dirty="0" smtClean="0"/>
+              <a:t>尺寸的模板</a:t>
+            </a:r>
+            <a:endParaRPr lang="en-US" altLang="zh-CN" dirty="0" smtClean="0"/>
+          </a:p>
+          <a:p>
+            <a:pPr lvl="2"/>
+            <a:r>
+              <a:rPr lang="zh-CN" altLang="en-US" dirty="0" smtClean="0"/>
+              <a:t>需要</a:t>
+            </a:r>
+            <a:r>
+              <a:rPr lang="en-US" altLang="zh-CN" dirty="0" smtClean="0"/>
+              <a:t>A1</a:t>
+            </a:r>
+            <a:r>
+              <a:rPr lang="zh-CN" altLang="en-US" dirty="0" smtClean="0"/>
+              <a:t>尺寸的桌面实施设计过程</a:t>
             </a:r>
             <a:endParaRPr lang="zh-CN" altLang="en-US" dirty="0"/>
           </a:p>
@@ -3306,7 +3527,7 @@
     </p:spTree>
     <p:extLst>
       <p:ext uri="{BB962C8B-B14F-4D97-AF65-F5344CB8AC3E}">
-        <p14:creationId xmlns:p14="http://schemas.microsoft.com/office/powerpoint/2010/main" val="2855897834"/>
+        <p14:creationId xmlns:p14="http://schemas.microsoft.com/office/powerpoint/2010/main" val="2296378247"/>
       </p:ext>
     </p:extLst>
   </p:cSld>
